--- a/JRxD.pptx
+++ b/JRxD.pptx
@@ -22,6 +22,11 @@
     <p:sldId id="268" r:id="rId16"/>
     <p:sldId id="269" r:id="rId17"/>
     <p:sldId id="270" r:id="rId18"/>
+    <p:sldId id="274" r:id="rId19"/>
+    <p:sldId id="279" r:id="rId20"/>
+    <p:sldId id="278" r:id="rId21"/>
+    <p:sldId id="280" r:id="rId22"/>
+    <p:sldId id="281" r:id="rId23"/>
   </p:sldIdLst>
   <p:sldSz cx="9144000" cy="6858000" type="screen4x3"/>
   <p:notesSz cx="6858000" cy="9144000"/>
@@ -304,7 +309,8 @@
           <a:p>
             <a:fld id="{97E25779-4C65-4F29-9876-A93A7347158C}" type="datetimeFigureOut">
               <a:rPr lang="en-US" smtClean="0"/>
-              <a:t>4/5/2020</a:t>
+              <a:pPr/>
+              <a:t>4/7/2020</a:t>
             </a:fld>
             <a:endParaRPr lang="en-US"/>
           </a:p>
@@ -346,6 +352,7 @@
           <a:p>
             <a:fld id="{E98832BA-8785-4BEA-B95C-FF6BD561C054}" type="slidenum">
               <a:rPr lang="en-US" smtClean="0"/>
+              <a:pPr/>
               <a:t>‹#›</a:t>
             </a:fld>
             <a:endParaRPr lang="en-US"/>
@@ -469,7 +476,8 @@
           <a:p>
             <a:fld id="{97E25779-4C65-4F29-9876-A93A7347158C}" type="datetimeFigureOut">
               <a:rPr lang="en-US" smtClean="0"/>
-              <a:t>4/5/2020</a:t>
+              <a:pPr/>
+              <a:t>4/7/2020</a:t>
             </a:fld>
             <a:endParaRPr lang="en-US"/>
           </a:p>
@@ -511,6 +519,7 @@
           <a:p>
             <a:fld id="{E98832BA-8785-4BEA-B95C-FF6BD561C054}" type="slidenum">
               <a:rPr lang="en-US" smtClean="0"/>
+              <a:pPr/>
               <a:t>‹#›</a:t>
             </a:fld>
             <a:endParaRPr lang="en-US"/>
@@ -644,7 +653,8 @@
           <a:p>
             <a:fld id="{97E25779-4C65-4F29-9876-A93A7347158C}" type="datetimeFigureOut">
               <a:rPr lang="en-US" smtClean="0"/>
-              <a:t>4/5/2020</a:t>
+              <a:pPr/>
+              <a:t>4/7/2020</a:t>
             </a:fld>
             <a:endParaRPr lang="en-US"/>
           </a:p>
@@ -686,6 +696,7 @@
           <a:p>
             <a:fld id="{E98832BA-8785-4BEA-B95C-FF6BD561C054}" type="slidenum">
               <a:rPr lang="en-US" smtClean="0"/>
+              <a:pPr/>
               <a:t>‹#›</a:t>
             </a:fld>
             <a:endParaRPr lang="en-US"/>
@@ -809,7 +820,8 @@
           <a:p>
             <a:fld id="{97E25779-4C65-4F29-9876-A93A7347158C}" type="datetimeFigureOut">
               <a:rPr lang="en-US" smtClean="0"/>
-              <a:t>4/5/2020</a:t>
+              <a:pPr/>
+              <a:t>4/7/2020</a:t>
             </a:fld>
             <a:endParaRPr lang="en-US"/>
           </a:p>
@@ -851,6 +863,7 @@
           <a:p>
             <a:fld id="{E98832BA-8785-4BEA-B95C-FF6BD561C054}" type="slidenum">
               <a:rPr lang="en-US" smtClean="0"/>
+              <a:pPr/>
               <a:t>‹#›</a:t>
             </a:fld>
             <a:endParaRPr lang="en-US"/>
@@ -1050,7 +1063,8 @@
           <a:p>
             <a:fld id="{97E25779-4C65-4F29-9876-A93A7347158C}" type="datetimeFigureOut">
               <a:rPr lang="en-US" smtClean="0"/>
-              <a:t>4/5/2020</a:t>
+              <a:pPr/>
+              <a:t>4/7/2020</a:t>
             </a:fld>
             <a:endParaRPr lang="en-US"/>
           </a:p>
@@ -1092,6 +1106,7 @@
           <a:p>
             <a:fld id="{E98832BA-8785-4BEA-B95C-FF6BD561C054}" type="slidenum">
               <a:rPr lang="en-US" smtClean="0"/>
+              <a:pPr/>
               <a:t>‹#›</a:t>
             </a:fld>
             <a:endParaRPr lang="en-US"/>
@@ -1333,7 +1348,8 @@
           <a:p>
             <a:fld id="{97E25779-4C65-4F29-9876-A93A7347158C}" type="datetimeFigureOut">
               <a:rPr lang="en-US" smtClean="0"/>
-              <a:t>4/5/2020</a:t>
+              <a:pPr/>
+              <a:t>4/7/2020</a:t>
             </a:fld>
             <a:endParaRPr lang="en-US"/>
           </a:p>
@@ -1375,6 +1391,7 @@
           <a:p>
             <a:fld id="{E98832BA-8785-4BEA-B95C-FF6BD561C054}" type="slidenum">
               <a:rPr lang="en-US" smtClean="0"/>
+              <a:pPr/>
               <a:t>‹#›</a:t>
             </a:fld>
             <a:endParaRPr lang="en-US"/>
@@ -1750,7 +1767,8 @@
           <a:p>
             <a:fld id="{97E25779-4C65-4F29-9876-A93A7347158C}" type="datetimeFigureOut">
               <a:rPr lang="en-US" smtClean="0"/>
-              <a:t>4/5/2020</a:t>
+              <a:pPr/>
+              <a:t>4/7/2020</a:t>
             </a:fld>
             <a:endParaRPr lang="en-US"/>
           </a:p>
@@ -1792,6 +1810,7 @@
           <a:p>
             <a:fld id="{E98832BA-8785-4BEA-B95C-FF6BD561C054}" type="slidenum">
               <a:rPr lang="en-US" smtClean="0"/>
+              <a:pPr/>
               <a:t>‹#›</a:t>
             </a:fld>
             <a:endParaRPr lang="en-US"/>
@@ -1863,7 +1882,8 @@
           <a:p>
             <a:fld id="{97E25779-4C65-4F29-9876-A93A7347158C}" type="datetimeFigureOut">
               <a:rPr lang="en-US" smtClean="0"/>
-              <a:t>4/5/2020</a:t>
+              <a:pPr/>
+              <a:t>4/7/2020</a:t>
             </a:fld>
             <a:endParaRPr lang="en-US"/>
           </a:p>
@@ -1905,6 +1925,7 @@
           <a:p>
             <a:fld id="{E98832BA-8785-4BEA-B95C-FF6BD561C054}" type="slidenum">
               <a:rPr lang="en-US" smtClean="0"/>
+              <a:pPr/>
               <a:t>‹#›</a:t>
             </a:fld>
             <a:endParaRPr lang="en-US"/>
@@ -1953,7 +1974,8 @@
           <a:p>
             <a:fld id="{97E25779-4C65-4F29-9876-A93A7347158C}" type="datetimeFigureOut">
               <a:rPr lang="en-US" smtClean="0"/>
-              <a:t>4/5/2020</a:t>
+              <a:pPr/>
+              <a:t>4/7/2020</a:t>
             </a:fld>
             <a:endParaRPr lang="en-US"/>
           </a:p>
@@ -1995,6 +2017,7 @@
           <a:p>
             <a:fld id="{E98832BA-8785-4BEA-B95C-FF6BD561C054}" type="slidenum">
               <a:rPr lang="en-US" smtClean="0"/>
+              <a:pPr/>
               <a:t>‹#›</a:t>
             </a:fld>
             <a:endParaRPr lang="en-US"/>
@@ -2225,7 +2248,8 @@
           <a:p>
             <a:fld id="{97E25779-4C65-4F29-9876-A93A7347158C}" type="datetimeFigureOut">
               <a:rPr lang="en-US" smtClean="0"/>
-              <a:t>4/5/2020</a:t>
+              <a:pPr/>
+              <a:t>4/7/2020</a:t>
             </a:fld>
             <a:endParaRPr lang="en-US"/>
           </a:p>
@@ -2267,6 +2291,7 @@
           <a:p>
             <a:fld id="{E98832BA-8785-4BEA-B95C-FF6BD561C054}" type="slidenum">
               <a:rPr lang="en-US" smtClean="0"/>
+              <a:pPr/>
               <a:t>‹#›</a:t>
             </a:fld>
             <a:endParaRPr lang="en-US"/>
@@ -2473,7 +2498,8 @@
           <a:p>
             <a:fld id="{97E25779-4C65-4F29-9876-A93A7347158C}" type="datetimeFigureOut">
               <a:rPr lang="en-US" smtClean="0"/>
-              <a:t>4/5/2020</a:t>
+              <a:pPr/>
+              <a:t>4/7/2020</a:t>
             </a:fld>
             <a:endParaRPr lang="en-US"/>
           </a:p>
@@ -2515,6 +2541,7 @@
           <a:p>
             <a:fld id="{E98832BA-8785-4BEA-B95C-FF6BD561C054}" type="slidenum">
               <a:rPr lang="en-US" smtClean="0"/>
+              <a:pPr/>
               <a:t>‹#›</a:t>
             </a:fld>
             <a:endParaRPr lang="en-US"/>
@@ -2681,7 +2708,8 @@
           <a:p>
             <a:fld id="{97E25779-4C65-4F29-9876-A93A7347158C}" type="datetimeFigureOut">
               <a:rPr lang="en-US" smtClean="0"/>
-              <a:t>4/5/2020</a:t>
+              <a:pPr/>
+              <a:t>4/7/2020</a:t>
             </a:fld>
             <a:endParaRPr lang="en-US"/>
           </a:p>
@@ -2759,6 +2787,7 @@
           <a:p>
             <a:fld id="{E98832BA-8785-4BEA-B95C-FF6BD561C054}" type="slidenum">
               <a:rPr lang="en-US" smtClean="0"/>
+              <a:pPr/>
               <a:t>‹#›</a:t>
             </a:fld>
             <a:endParaRPr lang="en-US"/>
@@ -3287,12 +3316,12 @@
               <a:t>‘-c’: The path to the dictionary that </a:t>
             </a:r>
             <a:r>
-              <a:rPr lang="en-US" dirty="0" err="1"/>
-              <a:t>storedthe</a:t>
+              <a:rPr lang="en-US" dirty="0" smtClean="0"/>
+              <a:t>stored the </a:t>
             </a:r>
             <a:r>
               <a:rPr lang="en-US" dirty="0"/>
-              <a:t> resulting cluster centers on disk.</a:t>
+              <a:t>resulting cluster centers on disk.</a:t>
             </a:r>
           </a:p>
           <a:p>
@@ -3612,12 +3641,12 @@
               <a:t>We’ll also need to specify several arguments to extract BOVW histogram representations from each image and store </a:t>
             </a:r>
             <a:r>
-              <a:rPr lang="en-US" sz="3100" dirty="0" err="1" smtClean="0"/>
-              <a:t>intothe</a:t>
-            </a:r>
-            <a:r>
               <a:rPr lang="en-US" sz="3100" dirty="0" smtClean="0"/>
-              <a:t> HDF5 dataset.</a:t>
+              <a:t>in to the </a:t>
+            </a:r>
+            <a:r>
+              <a:rPr lang="en-US" sz="3100" dirty="0" smtClean="0"/>
+              <a:t>HDF5 dataset.</a:t>
             </a:r>
           </a:p>
           <a:p>
@@ -3627,20 +3656,20 @@
               <a:t>‘-f’: The path to the HDF5 dataset </a:t>
             </a:r>
             <a:r>
+              <a:rPr lang="en-US" sz="3100" dirty="0" smtClean="0"/>
+              <a:t>containing the extracted </a:t>
+            </a:r>
+            <a:r>
               <a:rPr lang="en-US" sz="3100" dirty="0" err="1" smtClean="0"/>
-              <a:t>containingthe</a:t>
+              <a:t>keypoints</a:t>
             </a:r>
             <a:r>
               <a:rPr lang="en-US" sz="3100" dirty="0" smtClean="0"/>
               <a:t> </a:t>
             </a:r>
             <a:r>
-              <a:rPr lang="en-US" sz="3100" dirty="0" err="1" smtClean="0"/>
-              <a:t>extractedkeypoints</a:t>
-            </a:r>
-            <a:r>
               <a:rPr lang="en-US" sz="3100" dirty="0" smtClean="0"/>
-              <a:t> and local invariant descriptors</a:t>
+              <a:t>and local invariant descriptors</a:t>
             </a:r>
           </a:p>
           <a:p>
@@ -3657,12 +3686,12 @@
               <a:t>‘-b’: The path </a:t>
             </a:r>
             <a:r>
-              <a:rPr lang="en-US" sz="3100" dirty="0" err="1" smtClean="0"/>
-              <a:t>ofthe</a:t>
-            </a:r>
-            <a:r>
               <a:rPr lang="en-US" sz="3100" dirty="0" smtClean="0"/>
-              <a:t> HDF5 database storing the BOVW representations.</a:t>
+              <a:t>of the </a:t>
+            </a:r>
+            <a:r>
+              <a:rPr lang="en-US" sz="3100" dirty="0" smtClean="0"/>
+              <a:t>HDF5 database storing the BOVW representations.</a:t>
             </a:r>
           </a:p>
           <a:p>
@@ -4505,11 +4534,7 @@
           <a:p>
             <a:r>
               <a:rPr lang="en-US" b="1" dirty="0" smtClean="0"/>
-              <a:t>How to execute the file – ste</a:t>
-            </a:r>
-            <a:r>
-              <a:rPr lang="en-US" b="1" dirty="0" smtClean="0"/>
-              <a:t>p 7</a:t>
+              <a:t>How to execute the file – step 7</a:t>
             </a:r>
             <a:endParaRPr lang="en-US" dirty="0"/>
           </a:p>
@@ -4709,6 +4734,1332 @@
           </a:p>
         </p:txBody>
       </p:sp>
+    </p:spTree>
+  </p:cSld>
+  <p:clrMapOvr>
+    <a:masterClrMapping/>
+  </p:clrMapOvr>
+</p:sld>
+</file>
+
+<file path=ppt/slides/slide18.xml><?xml version="1.0" encoding="utf-8"?>
+<p:sld xmlns:a="http://schemas.openxmlformats.org/drawingml/2006/main" xmlns:r="http://schemas.openxmlformats.org/officeDocument/2006/relationships" xmlns:p="http://schemas.openxmlformats.org/presentationml/2006/main">
+  <p:cSld>
+    <p:spTree>
+      <p:nvGrpSpPr>
+        <p:cNvPr id="1" name=""/>
+        <p:cNvGrpSpPr/>
+        <p:nvPr/>
+      </p:nvGrpSpPr>
+      <p:grpSpPr>
+        <a:xfrm>
+          <a:off x="0" y="0"/>
+          <a:ext cx="0" cy="0"/>
+          <a:chOff x="0" y="0"/>
+          <a:chExt cx="0" cy="0"/>
+        </a:xfrm>
+      </p:grpSpPr>
+      <p:sp>
+        <p:nvSpPr>
+          <p:cNvPr id="2" name="Title 1"/>
+          <p:cNvSpPr>
+            <a:spLocks noGrp="1"/>
+          </p:cNvSpPr>
+          <p:nvPr>
+            <p:ph type="title"/>
+          </p:nvPr>
+        </p:nvSpPr>
+        <p:spPr/>
+        <p:txBody>
+          <a:bodyPr/>
+          <a:lstStyle/>
+          <a:p>
+            <a:r>
+              <a:rPr lang="en-US" dirty="0" smtClean="0"/>
+              <a:t>Evaluation</a:t>
+            </a:r>
+            <a:endParaRPr lang="en-US" dirty="0"/>
+          </a:p>
+        </p:txBody>
+      </p:sp>
+      <p:graphicFrame>
+        <p:nvGraphicFramePr>
+          <p:cNvPr id="4" name="Content Placeholder 3"/>
+          <p:cNvGraphicFramePr>
+            <a:graphicFrameLocks noGrp="1"/>
+          </p:cNvGraphicFramePr>
+          <p:nvPr>
+            <p:ph idx="1"/>
+          </p:nvPr>
+        </p:nvGraphicFramePr>
+        <p:xfrm>
+          <a:off x="457200" y="1600200"/>
+          <a:ext cx="8229600" cy="2966720"/>
+        </p:xfrm>
+        <a:graphic>
+          <a:graphicData uri="http://schemas.openxmlformats.org/drawingml/2006/table">
+            <a:tbl>
+              <a:tblPr firstRow="1" bandRow="1">
+                <a:tableStyleId>{5C22544A-7EE6-4342-B048-85BDC9FD1C3A}</a:tableStyleId>
+              </a:tblPr>
+              <a:tblGrid>
+                <a:gridCol w="1645920"/>
+                <a:gridCol w="1645920"/>
+                <a:gridCol w="1645920"/>
+                <a:gridCol w="1645920"/>
+                <a:gridCol w="1645920"/>
+              </a:tblGrid>
+              <a:tr h="370840">
+                <a:tc>
+                  <a:txBody>
+                    <a:bodyPr/>
+                    <a:lstStyle/>
+                    <a:p>
+                      <a:pPr marL="0" marR="0">
+                        <a:spcBef>
+                          <a:spcPts val="0"/>
+                        </a:spcBef>
+                        <a:spcAft>
+                          <a:spcPts val="0"/>
+                        </a:spcAft>
+                      </a:pPr>
+                      <a:r>
+                        <a:rPr lang="en-US" sz="1200" kern="100" dirty="0">
+                          <a:latin typeface="Calibri"/>
+                          <a:ea typeface="PMingLiU"/>
+                          <a:cs typeface="Times New Roman"/>
+                        </a:rPr>
+                        <a:t>Detector </a:t>
+                      </a:r>
+                      <a:r>
+                        <a:rPr lang="en-US" sz="1200" kern="100" dirty="0" smtClean="0">
+                          <a:latin typeface="Calibri"/>
+                          <a:ea typeface="PMingLiU"/>
+                          <a:cs typeface="Times New Roman"/>
+                        </a:rPr>
+                        <a:t>+</a:t>
+                      </a:r>
+                      <a:endParaRPr lang="en-US" sz="1200" kern="100" dirty="0">
+                        <a:latin typeface="Calibri"/>
+                        <a:ea typeface="PMingLiU"/>
+                        <a:cs typeface="Times New Roman"/>
+                      </a:endParaRPr>
+                    </a:p>
+                    <a:p>
+                      <a:pPr marL="0" marR="0">
+                        <a:spcBef>
+                          <a:spcPts val="0"/>
+                        </a:spcBef>
+                        <a:spcAft>
+                          <a:spcPts val="0"/>
+                        </a:spcAft>
+                      </a:pPr>
+                      <a:r>
+                        <a:rPr lang="en-US" sz="1200" kern="100" dirty="0">
+                          <a:latin typeface="Calibri"/>
+                          <a:ea typeface="PMingLiU"/>
+                          <a:cs typeface="Times New Roman"/>
+                        </a:rPr>
+                        <a:t>Descriptor</a:t>
+                      </a:r>
+                    </a:p>
+                  </a:txBody>
+                  <a:tcPr marL="68580" marR="68580" marT="0" marB="0"/>
+                </a:tc>
+                <a:tc>
+                  <a:txBody>
+                    <a:bodyPr/>
+                    <a:lstStyle/>
+                    <a:p>
+                      <a:pPr marL="0" marR="0">
+                        <a:spcBef>
+                          <a:spcPts val="0"/>
+                        </a:spcBef>
+                        <a:spcAft>
+                          <a:spcPts val="0"/>
+                        </a:spcAft>
+                      </a:pPr>
+                      <a:r>
+                        <a:rPr lang="en-US" sz="1200" kern="100" dirty="0">
+                          <a:latin typeface="Calibri"/>
+                          <a:ea typeface="PMingLiU"/>
+                          <a:cs typeface="Times New Roman"/>
+                        </a:rPr>
+                        <a:t>Feature</a:t>
+                      </a:r>
+                    </a:p>
+                    <a:p>
+                      <a:pPr marL="0" marR="0">
+                        <a:spcBef>
+                          <a:spcPts val="0"/>
+                        </a:spcBef>
+                        <a:spcAft>
+                          <a:spcPts val="0"/>
+                        </a:spcAft>
+                      </a:pPr>
+                      <a:r>
+                        <a:rPr lang="en-US" sz="1200" kern="100" dirty="0">
+                          <a:latin typeface="Calibri"/>
+                          <a:ea typeface="PMingLiU"/>
+                          <a:cs typeface="Times New Roman"/>
+                        </a:rPr>
+                        <a:t>Size</a:t>
+                      </a:r>
+                    </a:p>
+                  </a:txBody>
+                  <a:tcPr marL="68580" marR="68580" marT="0" marB="0"/>
+                </a:tc>
+                <a:tc>
+                  <a:txBody>
+                    <a:bodyPr/>
+                    <a:lstStyle/>
+                    <a:p>
+                      <a:pPr marL="0" marR="0">
+                        <a:spcBef>
+                          <a:spcPts val="0"/>
+                        </a:spcBef>
+                        <a:spcAft>
+                          <a:spcPts val="0"/>
+                        </a:spcAft>
+                      </a:pPr>
+                      <a:r>
+                        <a:rPr lang="en-US" sz="1200" kern="100" dirty="0">
+                          <a:latin typeface="Calibri"/>
+                          <a:ea typeface="PMingLiU"/>
+                          <a:cs typeface="Times New Roman"/>
+                        </a:rPr>
+                        <a:t>Extracting </a:t>
+                      </a:r>
+                    </a:p>
+                    <a:p>
+                      <a:pPr marL="0" marR="0">
+                        <a:spcBef>
+                          <a:spcPts val="0"/>
+                        </a:spcBef>
+                        <a:spcAft>
+                          <a:spcPts val="0"/>
+                        </a:spcAft>
+                      </a:pPr>
+                      <a:r>
+                        <a:rPr lang="en-US" sz="1200" kern="100" dirty="0">
+                          <a:latin typeface="Calibri"/>
+                          <a:ea typeface="PMingLiU"/>
+                          <a:cs typeface="Times New Roman"/>
+                        </a:rPr>
+                        <a:t>Time</a:t>
+                      </a:r>
+                    </a:p>
+                  </a:txBody>
+                  <a:tcPr marL="68580" marR="68580" marT="0" marB="0"/>
+                </a:tc>
+                <a:tc>
+                  <a:txBody>
+                    <a:bodyPr/>
+                    <a:lstStyle/>
+                    <a:p>
+                      <a:pPr marL="0" marR="0">
+                        <a:spcBef>
+                          <a:spcPts val="0"/>
+                        </a:spcBef>
+                        <a:spcAft>
+                          <a:spcPts val="0"/>
+                        </a:spcAft>
+                      </a:pPr>
+                      <a:r>
+                        <a:rPr lang="en-US" sz="1200" kern="100" dirty="0" smtClean="0">
+                          <a:latin typeface="Calibri"/>
+                          <a:ea typeface="PMingLiU"/>
+                          <a:cs typeface="Times New Roman"/>
+                        </a:rPr>
+                        <a:t>Evaluation -</a:t>
+                      </a:r>
+                      <a:endParaRPr lang="en-US" sz="1200" kern="100" dirty="0">
+                        <a:latin typeface="Calibri"/>
+                        <a:ea typeface="PMingLiU"/>
+                        <a:cs typeface="Times New Roman"/>
+                      </a:endParaRPr>
+                    </a:p>
+                    <a:p>
+                      <a:pPr marL="0" marR="0">
+                        <a:spcBef>
+                          <a:spcPts val="0"/>
+                        </a:spcBef>
+                        <a:spcAft>
+                          <a:spcPts val="0"/>
+                        </a:spcAft>
+                      </a:pPr>
+                      <a:r>
+                        <a:rPr lang="en-US" sz="1200" kern="100" dirty="0">
+                          <a:latin typeface="Calibri"/>
+                          <a:ea typeface="PMingLiU"/>
+                          <a:cs typeface="Times New Roman"/>
+                        </a:rPr>
+                        <a:t>Precision</a:t>
+                      </a:r>
+                    </a:p>
+                  </a:txBody>
+                  <a:tcPr marL="68580" marR="68580" marT="0" marB="0"/>
+                </a:tc>
+                <a:tc>
+                  <a:txBody>
+                    <a:bodyPr/>
+                    <a:lstStyle/>
+                    <a:p>
+                      <a:pPr marL="0" marR="0">
+                        <a:spcBef>
+                          <a:spcPts val="0"/>
+                        </a:spcBef>
+                        <a:spcAft>
+                          <a:spcPts val="0"/>
+                        </a:spcAft>
+                      </a:pPr>
+                      <a:r>
+                        <a:rPr lang="en-US" sz="1200" kern="100" dirty="0">
+                          <a:latin typeface="Calibri"/>
+                          <a:ea typeface="PMingLiU"/>
+                          <a:cs typeface="Times New Roman"/>
+                        </a:rPr>
+                        <a:t>Evaluation </a:t>
+                      </a:r>
+                      <a:r>
+                        <a:rPr lang="en-US" sz="1200" kern="100" dirty="0" smtClean="0">
+                          <a:latin typeface="Calibri"/>
+                          <a:ea typeface="PMingLiU"/>
+                          <a:cs typeface="Times New Roman"/>
+                        </a:rPr>
+                        <a:t> -</a:t>
+                      </a:r>
+                      <a:endParaRPr lang="en-US" sz="1200" kern="100" dirty="0">
+                        <a:latin typeface="Calibri"/>
+                        <a:ea typeface="PMingLiU"/>
+                        <a:cs typeface="Times New Roman"/>
+                      </a:endParaRPr>
+                    </a:p>
+                    <a:p>
+                      <a:pPr marL="0" marR="0">
+                        <a:spcBef>
+                          <a:spcPts val="0"/>
+                        </a:spcBef>
+                        <a:spcAft>
+                          <a:spcPts val="0"/>
+                        </a:spcAft>
+                      </a:pPr>
+                      <a:r>
+                        <a:rPr lang="en-US" sz="1200" kern="100" dirty="0">
+                          <a:latin typeface="Calibri"/>
+                          <a:ea typeface="PMingLiU"/>
+                          <a:cs typeface="Times New Roman"/>
+                        </a:rPr>
+                        <a:t>Time </a:t>
+                      </a:r>
+                    </a:p>
+                  </a:txBody>
+                  <a:tcPr marL="68580" marR="68580" marT="0" marB="0"/>
+                </a:tc>
+              </a:tr>
+              <a:tr h="370840">
+                <a:tc>
+                  <a:txBody>
+                    <a:bodyPr/>
+                    <a:lstStyle/>
+                    <a:p>
+                      <a:pPr marL="0" marR="0">
+                        <a:spcBef>
+                          <a:spcPts val="0"/>
+                        </a:spcBef>
+                        <a:spcAft>
+                          <a:spcPts val="0"/>
+                        </a:spcAft>
+                      </a:pPr>
+                      <a:r>
+                        <a:rPr lang="en-US" sz="1200" kern="100" dirty="0">
+                          <a:latin typeface="Calibri"/>
+                          <a:ea typeface="PMingLiU"/>
+                          <a:cs typeface="Times New Roman"/>
+                        </a:rPr>
+                        <a:t>SIFT+SIFT</a:t>
+                      </a:r>
+                    </a:p>
+                  </a:txBody>
+                  <a:tcPr marL="68580" marR="68580" marT="0" marB="0"/>
+                </a:tc>
+                <a:tc>
+                  <a:txBody>
+                    <a:bodyPr/>
+                    <a:lstStyle/>
+                    <a:p>
+                      <a:pPr marL="0" marR="0">
+                        <a:spcBef>
+                          <a:spcPts val="0"/>
+                        </a:spcBef>
+                        <a:spcAft>
+                          <a:spcPts val="0"/>
+                        </a:spcAft>
+                      </a:pPr>
+                      <a:r>
+                        <a:rPr lang="en-US" sz="1200" kern="100" dirty="0">
+                          <a:latin typeface="Calibri"/>
+                          <a:ea typeface="PMingLiU"/>
+                          <a:cs typeface="Times New Roman"/>
+                        </a:rPr>
+                        <a:t>128</a:t>
+                      </a:r>
+                    </a:p>
+                  </a:txBody>
+                  <a:tcPr marL="68580" marR="68580" marT="0" marB="0"/>
+                </a:tc>
+                <a:tc>
+                  <a:txBody>
+                    <a:bodyPr/>
+                    <a:lstStyle/>
+                    <a:p>
+                      <a:pPr marL="0" marR="0">
+                        <a:spcBef>
+                          <a:spcPts val="0"/>
+                        </a:spcBef>
+                        <a:spcAft>
+                          <a:spcPts val="0"/>
+                        </a:spcAft>
+                      </a:pPr>
+                      <a:r>
+                        <a:rPr lang="en-US" sz="1200" kern="100">
+                          <a:latin typeface="Calibri"/>
+                          <a:ea typeface="PMingLiU"/>
+                          <a:cs typeface="Times New Roman"/>
+                        </a:rPr>
+                        <a:t>32.14</a:t>
+                      </a:r>
+                    </a:p>
+                  </a:txBody>
+                  <a:tcPr marL="68580" marR="68580" marT="0" marB="0"/>
+                </a:tc>
+                <a:tc>
+                  <a:txBody>
+                    <a:bodyPr/>
+                    <a:lstStyle/>
+                    <a:p>
+                      <a:pPr marL="0" marR="0">
+                        <a:spcBef>
+                          <a:spcPts val="0"/>
+                        </a:spcBef>
+                        <a:spcAft>
+                          <a:spcPts val="0"/>
+                        </a:spcAft>
+                      </a:pPr>
+                      <a:r>
+                        <a:rPr lang="en-US" sz="1200" kern="100">
+                          <a:latin typeface="Calibri"/>
+                          <a:ea typeface="PMingLiU"/>
+                          <a:cs typeface="Times New Roman"/>
+                        </a:rPr>
+                        <a:t>2.17</a:t>
+                      </a:r>
+                    </a:p>
+                  </a:txBody>
+                  <a:tcPr marL="68580" marR="68580" marT="0" marB="0"/>
+                </a:tc>
+                <a:tc>
+                  <a:txBody>
+                    <a:bodyPr/>
+                    <a:lstStyle/>
+                    <a:p>
+                      <a:pPr marL="0" marR="0">
+                        <a:spcBef>
+                          <a:spcPts val="0"/>
+                        </a:spcBef>
+                        <a:spcAft>
+                          <a:spcPts val="0"/>
+                        </a:spcAft>
+                      </a:pPr>
+                      <a:r>
+                        <a:rPr lang="en-US" sz="1200" kern="100" dirty="0">
+                          <a:latin typeface="Calibri"/>
+                          <a:ea typeface="PMingLiU"/>
+                          <a:cs typeface="Times New Roman"/>
+                        </a:rPr>
+                        <a:t>0.22 </a:t>
+                      </a:r>
+                    </a:p>
+                  </a:txBody>
+                  <a:tcPr marL="68580" marR="68580" marT="0" marB="0"/>
+                </a:tc>
+              </a:tr>
+              <a:tr h="370840">
+                <a:tc>
+                  <a:txBody>
+                    <a:bodyPr/>
+                    <a:lstStyle/>
+                    <a:p>
+                      <a:pPr marL="0" marR="0">
+                        <a:spcBef>
+                          <a:spcPts val="0"/>
+                        </a:spcBef>
+                        <a:spcAft>
+                          <a:spcPts val="0"/>
+                        </a:spcAft>
+                      </a:pPr>
+                      <a:r>
+                        <a:rPr lang="en-US" sz="1200" kern="100" dirty="0">
+                          <a:latin typeface="Calibri"/>
+                          <a:ea typeface="PMingLiU"/>
+                          <a:cs typeface="Times New Roman"/>
+                        </a:rPr>
+                        <a:t>SURF+SURF</a:t>
+                      </a:r>
+                    </a:p>
+                  </a:txBody>
+                  <a:tcPr marL="68580" marR="68580" marT="0" marB="0"/>
+                </a:tc>
+                <a:tc>
+                  <a:txBody>
+                    <a:bodyPr/>
+                    <a:lstStyle/>
+                    <a:p>
+                      <a:pPr marL="0" marR="0">
+                        <a:spcBef>
+                          <a:spcPts val="0"/>
+                        </a:spcBef>
+                        <a:spcAft>
+                          <a:spcPts val="0"/>
+                        </a:spcAft>
+                      </a:pPr>
+                      <a:r>
+                        <a:rPr lang="en-US" sz="1200" kern="100" dirty="0">
+                          <a:latin typeface="Calibri"/>
+                          <a:ea typeface="PMingLiU"/>
+                          <a:cs typeface="Times New Roman"/>
+                        </a:rPr>
+                        <a:t>64</a:t>
+                      </a:r>
+                    </a:p>
+                  </a:txBody>
+                  <a:tcPr marL="68580" marR="68580" marT="0" marB="0"/>
+                </a:tc>
+                <a:tc>
+                  <a:txBody>
+                    <a:bodyPr/>
+                    <a:lstStyle/>
+                    <a:p>
+                      <a:pPr marL="0" marR="0">
+                        <a:spcBef>
+                          <a:spcPts val="0"/>
+                        </a:spcBef>
+                        <a:spcAft>
+                          <a:spcPts val="0"/>
+                        </a:spcAft>
+                      </a:pPr>
+                      <a:r>
+                        <a:rPr lang="en-US" sz="1200" kern="100" dirty="0">
+                          <a:latin typeface="Calibri"/>
+                          <a:ea typeface="PMingLiU"/>
+                          <a:cs typeface="Times New Roman"/>
+                        </a:rPr>
+                        <a:t>18.92</a:t>
+                      </a:r>
+                    </a:p>
+                  </a:txBody>
+                  <a:tcPr marL="68580" marR="68580" marT="0" marB="0"/>
+                </a:tc>
+                <a:tc>
+                  <a:txBody>
+                    <a:bodyPr/>
+                    <a:lstStyle/>
+                    <a:p>
+                      <a:pPr marL="0" marR="0">
+                        <a:spcBef>
+                          <a:spcPts val="0"/>
+                        </a:spcBef>
+                        <a:spcAft>
+                          <a:spcPts val="0"/>
+                        </a:spcAft>
+                      </a:pPr>
+                      <a:r>
+                        <a:rPr lang="en-US" sz="1200" kern="100">
+                          <a:latin typeface="Calibri"/>
+                          <a:ea typeface="PMingLiU"/>
+                          <a:cs typeface="Times New Roman"/>
+                        </a:rPr>
+                        <a:t>2.35</a:t>
+                      </a:r>
+                    </a:p>
+                  </a:txBody>
+                  <a:tcPr marL="68580" marR="68580" marT="0" marB="0"/>
+                </a:tc>
+                <a:tc>
+                  <a:txBody>
+                    <a:bodyPr/>
+                    <a:lstStyle/>
+                    <a:p>
+                      <a:pPr marL="0" marR="0">
+                        <a:spcBef>
+                          <a:spcPts val="0"/>
+                        </a:spcBef>
+                        <a:spcAft>
+                          <a:spcPts val="0"/>
+                        </a:spcAft>
+                      </a:pPr>
+                      <a:r>
+                        <a:rPr lang="en-US" sz="1200" kern="100">
+                          <a:latin typeface="Calibri"/>
+                          <a:ea typeface="PMingLiU"/>
+                          <a:cs typeface="Times New Roman"/>
+                        </a:rPr>
+                        <a:t>0.24 </a:t>
+                      </a:r>
+                    </a:p>
+                  </a:txBody>
+                  <a:tcPr marL="68580" marR="68580" marT="0" marB="0"/>
+                </a:tc>
+              </a:tr>
+              <a:tr h="370840">
+                <a:tc>
+                  <a:txBody>
+                    <a:bodyPr/>
+                    <a:lstStyle/>
+                    <a:p>
+                      <a:pPr marL="0" marR="0">
+                        <a:spcBef>
+                          <a:spcPts val="0"/>
+                        </a:spcBef>
+                        <a:spcAft>
+                          <a:spcPts val="0"/>
+                        </a:spcAft>
+                      </a:pPr>
+                      <a:r>
+                        <a:rPr lang="en-US" sz="1200" kern="100">
+                          <a:latin typeface="Calibri"/>
+                          <a:ea typeface="PMingLiU"/>
+                          <a:cs typeface="Times New Roman"/>
+                        </a:rPr>
+                        <a:t>SIFT+ROOTSIFT</a:t>
+                      </a:r>
+                    </a:p>
+                  </a:txBody>
+                  <a:tcPr marL="68580" marR="68580" marT="0" marB="0"/>
+                </a:tc>
+                <a:tc>
+                  <a:txBody>
+                    <a:bodyPr/>
+                    <a:lstStyle/>
+                    <a:p>
+                      <a:pPr marL="0" marR="0">
+                        <a:spcBef>
+                          <a:spcPts val="0"/>
+                        </a:spcBef>
+                        <a:spcAft>
+                          <a:spcPts val="0"/>
+                        </a:spcAft>
+                      </a:pPr>
+                      <a:r>
+                        <a:rPr lang="en-US" sz="1200" kern="100" dirty="0">
+                          <a:latin typeface="Calibri"/>
+                          <a:ea typeface="PMingLiU"/>
+                          <a:cs typeface="Times New Roman"/>
+                        </a:rPr>
+                        <a:t>128</a:t>
+                      </a:r>
+                    </a:p>
+                  </a:txBody>
+                  <a:tcPr marL="68580" marR="68580" marT="0" marB="0"/>
+                </a:tc>
+                <a:tc>
+                  <a:txBody>
+                    <a:bodyPr/>
+                    <a:lstStyle/>
+                    <a:p>
+                      <a:pPr marL="0" marR="0">
+                        <a:spcBef>
+                          <a:spcPts val="0"/>
+                        </a:spcBef>
+                        <a:spcAft>
+                          <a:spcPts val="0"/>
+                        </a:spcAft>
+                      </a:pPr>
+                      <a:r>
+                        <a:rPr lang="en-US" sz="1200" kern="100" dirty="0">
+                          <a:latin typeface="Calibri"/>
+                          <a:ea typeface="PMingLiU"/>
+                          <a:cs typeface="Times New Roman"/>
+                        </a:rPr>
+                        <a:t>32.18</a:t>
+                      </a:r>
+                    </a:p>
+                  </a:txBody>
+                  <a:tcPr marL="68580" marR="68580" marT="0" marB="0"/>
+                </a:tc>
+                <a:tc>
+                  <a:txBody>
+                    <a:bodyPr/>
+                    <a:lstStyle/>
+                    <a:p>
+                      <a:pPr marL="0" marR="0">
+                        <a:spcBef>
+                          <a:spcPts val="0"/>
+                        </a:spcBef>
+                        <a:spcAft>
+                          <a:spcPts val="0"/>
+                        </a:spcAft>
+                      </a:pPr>
+                      <a:r>
+                        <a:rPr lang="en-US" sz="1200" kern="100" dirty="0">
+                          <a:latin typeface="Calibri"/>
+                          <a:ea typeface="PMingLiU"/>
+                          <a:cs typeface="Times New Roman"/>
+                        </a:rPr>
+                        <a:t>2.29</a:t>
+                      </a:r>
+                    </a:p>
+                  </a:txBody>
+                  <a:tcPr marL="68580" marR="68580" marT="0" marB="0"/>
+                </a:tc>
+                <a:tc>
+                  <a:txBody>
+                    <a:bodyPr/>
+                    <a:lstStyle/>
+                    <a:p>
+                      <a:pPr marL="0" marR="0">
+                        <a:spcBef>
+                          <a:spcPts val="0"/>
+                        </a:spcBef>
+                        <a:spcAft>
+                          <a:spcPts val="0"/>
+                        </a:spcAft>
+                      </a:pPr>
+                      <a:r>
+                        <a:rPr lang="en-US" sz="1200" kern="100">
+                          <a:latin typeface="Calibri"/>
+                          <a:ea typeface="PMingLiU"/>
+                          <a:cs typeface="Times New Roman"/>
+                        </a:rPr>
+                        <a:t>0.21 </a:t>
+                      </a:r>
+                    </a:p>
+                  </a:txBody>
+                  <a:tcPr marL="68580" marR="68580" marT="0" marB="0"/>
+                </a:tc>
+              </a:tr>
+              <a:tr h="370840">
+                <a:tc>
+                  <a:txBody>
+                    <a:bodyPr/>
+                    <a:lstStyle/>
+                    <a:p>
+                      <a:pPr marL="0" marR="0">
+                        <a:spcBef>
+                          <a:spcPts val="0"/>
+                        </a:spcBef>
+                        <a:spcAft>
+                          <a:spcPts val="0"/>
+                        </a:spcAft>
+                      </a:pPr>
+                      <a:r>
+                        <a:rPr lang="en-US" sz="1200" kern="100">
+                          <a:latin typeface="Calibri"/>
+                          <a:ea typeface="PMingLiU"/>
+                          <a:cs typeface="Times New Roman"/>
+                        </a:rPr>
+                        <a:t>SURF+ROOTSIFT</a:t>
+                      </a:r>
+                    </a:p>
+                  </a:txBody>
+                  <a:tcPr marL="68580" marR="68580" marT="0" marB="0"/>
+                </a:tc>
+                <a:tc>
+                  <a:txBody>
+                    <a:bodyPr/>
+                    <a:lstStyle/>
+                    <a:p>
+                      <a:pPr marL="0" marR="0">
+                        <a:spcBef>
+                          <a:spcPts val="0"/>
+                        </a:spcBef>
+                        <a:spcAft>
+                          <a:spcPts val="0"/>
+                        </a:spcAft>
+                      </a:pPr>
+                      <a:r>
+                        <a:rPr lang="en-US" sz="1200" kern="100" dirty="0">
+                          <a:latin typeface="Calibri"/>
+                          <a:ea typeface="PMingLiU"/>
+                          <a:cs typeface="Times New Roman"/>
+                        </a:rPr>
+                        <a:t>128</a:t>
+                      </a:r>
+                    </a:p>
+                  </a:txBody>
+                  <a:tcPr marL="68580" marR="68580" marT="0" marB="0"/>
+                </a:tc>
+                <a:tc>
+                  <a:txBody>
+                    <a:bodyPr/>
+                    <a:lstStyle/>
+                    <a:p>
+                      <a:pPr marL="0" marR="0">
+                        <a:spcBef>
+                          <a:spcPts val="0"/>
+                        </a:spcBef>
+                        <a:spcAft>
+                          <a:spcPts val="0"/>
+                        </a:spcAft>
+                      </a:pPr>
+                      <a:r>
+                        <a:rPr lang="en-US" sz="1200" kern="100">
+                          <a:latin typeface="Calibri"/>
+                          <a:ea typeface="PMingLiU"/>
+                          <a:cs typeface="Times New Roman"/>
+                        </a:rPr>
+                        <a:t>47.90</a:t>
+                      </a:r>
+                    </a:p>
+                  </a:txBody>
+                  <a:tcPr marL="68580" marR="68580" marT="0" marB="0"/>
+                </a:tc>
+                <a:tc>
+                  <a:txBody>
+                    <a:bodyPr/>
+                    <a:lstStyle/>
+                    <a:p>
+                      <a:pPr marL="0" marR="0">
+                        <a:spcBef>
+                          <a:spcPts val="0"/>
+                        </a:spcBef>
+                        <a:spcAft>
+                          <a:spcPts val="0"/>
+                        </a:spcAft>
+                      </a:pPr>
+                      <a:r>
+                        <a:rPr lang="en-US" sz="1200" kern="100" dirty="0">
+                          <a:latin typeface="Calibri"/>
+                          <a:ea typeface="PMingLiU"/>
+                          <a:cs typeface="Times New Roman"/>
+                        </a:rPr>
+                        <a:t>2.79</a:t>
+                      </a:r>
+                    </a:p>
+                  </a:txBody>
+                  <a:tcPr marL="68580" marR="68580" marT="0" marB="0"/>
+                </a:tc>
+                <a:tc>
+                  <a:txBody>
+                    <a:bodyPr/>
+                    <a:lstStyle/>
+                    <a:p>
+                      <a:pPr marL="0" marR="0">
+                        <a:spcBef>
+                          <a:spcPts val="0"/>
+                        </a:spcBef>
+                        <a:spcAft>
+                          <a:spcPts val="0"/>
+                        </a:spcAft>
+                      </a:pPr>
+                      <a:r>
+                        <a:rPr lang="en-US" sz="1200" kern="100">
+                          <a:latin typeface="Calibri"/>
+                          <a:ea typeface="PMingLiU"/>
+                          <a:cs typeface="Times New Roman"/>
+                        </a:rPr>
+                        <a:t>0.15 </a:t>
+                      </a:r>
+                    </a:p>
+                  </a:txBody>
+                  <a:tcPr marL="68580" marR="68580" marT="0" marB="0"/>
+                </a:tc>
+              </a:tr>
+              <a:tr h="370840">
+                <a:tc>
+                  <a:txBody>
+                    <a:bodyPr/>
+                    <a:lstStyle/>
+                    <a:p>
+                      <a:pPr marL="0" marR="0">
+                        <a:spcBef>
+                          <a:spcPts val="0"/>
+                        </a:spcBef>
+                        <a:spcAft>
+                          <a:spcPts val="0"/>
+                        </a:spcAft>
+                      </a:pPr>
+                      <a:r>
+                        <a:rPr lang="en-US" sz="1200" kern="100">
+                          <a:latin typeface="Calibri"/>
+                          <a:ea typeface="PMingLiU"/>
+                          <a:cs typeface="Times New Roman"/>
+                        </a:rPr>
+                        <a:t>FAST+BRIEF</a:t>
+                      </a:r>
+                    </a:p>
+                  </a:txBody>
+                  <a:tcPr marL="68580" marR="68580" marT="0" marB="0"/>
+                </a:tc>
+                <a:tc>
+                  <a:txBody>
+                    <a:bodyPr/>
+                    <a:lstStyle/>
+                    <a:p>
+                      <a:pPr marL="0" marR="0">
+                        <a:spcBef>
+                          <a:spcPts val="0"/>
+                        </a:spcBef>
+                        <a:spcAft>
+                          <a:spcPts val="0"/>
+                        </a:spcAft>
+                      </a:pPr>
+                      <a:r>
+                        <a:rPr lang="en-US" sz="1200" kern="100" dirty="0">
+                          <a:latin typeface="Calibri"/>
+                          <a:ea typeface="PMingLiU"/>
+                          <a:cs typeface="Times New Roman"/>
+                        </a:rPr>
+                        <a:t>32</a:t>
+                      </a:r>
+                    </a:p>
+                  </a:txBody>
+                  <a:tcPr marL="68580" marR="68580" marT="0" marB="0"/>
+                </a:tc>
+                <a:tc>
+                  <a:txBody>
+                    <a:bodyPr/>
+                    <a:lstStyle/>
+                    <a:p>
+                      <a:pPr marL="0" marR="0">
+                        <a:spcBef>
+                          <a:spcPts val="0"/>
+                        </a:spcBef>
+                        <a:spcAft>
+                          <a:spcPts val="0"/>
+                        </a:spcAft>
+                      </a:pPr>
+                      <a:r>
+                        <a:rPr lang="en-US" sz="1200" kern="100" dirty="0">
+                          <a:latin typeface="Calibri"/>
+                          <a:ea typeface="PMingLiU"/>
+                          <a:cs typeface="Times New Roman"/>
+                        </a:rPr>
+                        <a:t>9.38</a:t>
+                      </a:r>
+                    </a:p>
+                  </a:txBody>
+                  <a:tcPr marL="68580" marR="68580" marT="0" marB="0"/>
+                </a:tc>
+                <a:tc>
+                  <a:txBody>
+                    <a:bodyPr/>
+                    <a:lstStyle/>
+                    <a:p>
+                      <a:pPr marL="0" marR="0">
+                        <a:spcBef>
+                          <a:spcPts val="0"/>
+                        </a:spcBef>
+                        <a:spcAft>
+                          <a:spcPts val="0"/>
+                        </a:spcAft>
+                      </a:pPr>
+                      <a:r>
+                        <a:rPr lang="en-US" sz="1200" kern="100" dirty="0">
+                          <a:latin typeface="Calibri"/>
+                          <a:ea typeface="PMingLiU"/>
+                          <a:cs typeface="Times New Roman"/>
+                        </a:rPr>
+                        <a:t>1.58</a:t>
+                      </a:r>
+                    </a:p>
+                  </a:txBody>
+                  <a:tcPr marL="68580" marR="68580" marT="0" marB="0"/>
+                </a:tc>
+                <a:tc>
+                  <a:txBody>
+                    <a:bodyPr/>
+                    <a:lstStyle/>
+                    <a:p>
+                      <a:pPr marL="0" marR="0">
+                        <a:spcBef>
+                          <a:spcPts val="0"/>
+                        </a:spcBef>
+                        <a:spcAft>
+                          <a:spcPts val="0"/>
+                        </a:spcAft>
+                      </a:pPr>
+                      <a:r>
+                        <a:rPr lang="en-US" sz="1200" kern="100" dirty="0">
+                          <a:latin typeface="Calibri"/>
+                          <a:ea typeface="PMingLiU"/>
+                          <a:cs typeface="Times New Roman"/>
+                        </a:rPr>
+                        <a:t>0.44 </a:t>
+                      </a:r>
+                    </a:p>
+                  </a:txBody>
+                  <a:tcPr marL="68580" marR="68580" marT="0" marB="0"/>
+                </a:tc>
+              </a:tr>
+              <a:tr h="370840">
+                <a:tc>
+                  <a:txBody>
+                    <a:bodyPr/>
+                    <a:lstStyle/>
+                    <a:p>
+                      <a:pPr marL="0" marR="0">
+                        <a:spcBef>
+                          <a:spcPts val="0"/>
+                        </a:spcBef>
+                        <a:spcAft>
+                          <a:spcPts val="0"/>
+                        </a:spcAft>
+                      </a:pPr>
+                      <a:r>
+                        <a:rPr lang="en-US" sz="1200" kern="100">
+                          <a:latin typeface="Calibri"/>
+                          <a:ea typeface="PMingLiU"/>
+                          <a:cs typeface="Times New Roman"/>
+                        </a:rPr>
+                        <a:t>ORB+ORB</a:t>
+                      </a:r>
+                    </a:p>
+                  </a:txBody>
+                  <a:tcPr marL="68580" marR="68580" marT="0" marB="0"/>
+                </a:tc>
+                <a:tc>
+                  <a:txBody>
+                    <a:bodyPr/>
+                    <a:lstStyle/>
+                    <a:p>
+                      <a:pPr marL="0" marR="0">
+                        <a:spcBef>
+                          <a:spcPts val="0"/>
+                        </a:spcBef>
+                        <a:spcAft>
+                          <a:spcPts val="0"/>
+                        </a:spcAft>
+                      </a:pPr>
+                      <a:r>
+                        <a:rPr lang="en-US" sz="1200" kern="100">
+                          <a:latin typeface="Calibri"/>
+                          <a:ea typeface="PMingLiU"/>
+                          <a:cs typeface="Times New Roman"/>
+                        </a:rPr>
+                        <a:t>32</a:t>
+                      </a:r>
+                    </a:p>
+                  </a:txBody>
+                  <a:tcPr marL="68580" marR="68580" marT="0" marB="0"/>
+                </a:tc>
+                <a:tc>
+                  <a:txBody>
+                    <a:bodyPr/>
+                    <a:lstStyle/>
+                    <a:p>
+                      <a:pPr marL="0" marR="0">
+                        <a:spcBef>
+                          <a:spcPts val="0"/>
+                        </a:spcBef>
+                        <a:spcAft>
+                          <a:spcPts val="0"/>
+                        </a:spcAft>
+                      </a:pPr>
+                      <a:r>
+                        <a:rPr lang="en-US" sz="1200" kern="100" dirty="0">
+                          <a:latin typeface="Calibri"/>
+                          <a:ea typeface="PMingLiU"/>
+                          <a:cs typeface="Times New Roman"/>
+                        </a:rPr>
+                        <a:t>10.03</a:t>
+                      </a:r>
+                    </a:p>
+                  </a:txBody>
+                  <a:tcPr marL="68580" marR="68580" marT="0" marB="0"/>
+                </a:tc>
+                <a:tc>
+                  <a:txBody>
+                    <a:bodyPr/>
+                    <a:lstStyle/>
+                    <a:p>
+                      <a:pPr marL="0" marR="0">
+                        <a:spcBef>
+                          <a:spcPts val="0"/>
+                        </a:spcBef>
+                        <a:spcAft>
+                          <a:spcPts val="0"/>
+                        </a:spcAft>
+                      </a:pPr>
+                      <a:r>
+                        <a:rPr lang="en-US" sz="1200" kern="100" dirty="0">
+                          <a:latin typeface="Calibri"/>
+                          <a:ea typeface="PMingLiU"/>
+                          <a:cs typeface="Times New Roman"/>
+                        </a:rPr>
+                        <a:t>2.27</a:t>
+                      </a:r>
+                    </a:p>
+                  </a:txBody>
+                  <a:tcPr marL="68580" marR="68580" marT="0" marB="0"/>
+                </a:tc>
+                <a:tc>
+                  <a:txBody>
+                    <a:bodyPr/>
+                    <a:lstStyle/>
+                    <a:p>
+                      <a:pPr marL="0" marR="0">
+                        <a:spcBef>
+                          <a:spcPts val="0"/>
+                        </a:spcBef>
+                        <a:spcAft>
+                          <a:spcPts val="0"/>
+                        </a:spcAft>
+                      </a:pPr>
+                      <a:r>
+                        <a:rPr lang="en-US" sz="1200" kern="100" dirty="0">
+                          <a:latin typeface="Calibri"/>
+                          <a:ea typeface="PMingLiU"/>
+                          <a:cs typeface="Times New Roman"/>
+                        </a:rPr>
+                        <a:t>0.22 </a:t>
+                      </a:r>
+                    </a:p>
+                  </a:txBody>
+                  <a:tcPr marL="68580" marR="68580" marT="0" marB="0"/>
+                </a:tc>
+              </a:tr>
+              <a:tr h="370840">
+                <a:tc>
+                  <a:txBody>
+                    <a:bodyPr/>
+                    <a:lstStyle/>
+                    <a:p>
+                      <a:pPr marL="0" marR="0">
+                        <a:spcBef>
+                          <a:spcPts val="0"/>
+                        </a:spcBef>
+                        <a:spcAft>
+                          <a:spcPts val="0"/>
+                        </a:spcAft>
+                      </a:pPr>
+                      <a:r>
+                        <a:rPr lang="en-US" sz="1200" kern="100">
+                          <a:latin typeface="Calibri"/>
+                          <a:ea typeface="PMingLiU"/>
+                          <a:cs typeface="Times New Roman"/>
+                        </a:rPr>
+                        <a:t>BRISK+BRISK</a:t>
+                      </a:r>
+                    </a:p>
+                  </a:txBody>
+                  <a:tcPr marL="68580" marR="68580" marT="0" marB="0"/>
+                </a:tc>
+                <a:tc>
+                  <a:txBody>
+                    <a:bodyPr/>
+                    <a:lstStyle/>
+                    <a:p>
+                      <a:pPr marL="0" marR="0">
+                        <a:spcBef>
+                          <a:spcPts val="0"/>
+                        </a:spcBef>
+                        <a:spcAft>
+                          <a:spcPts val="0"/>
+                        </a:spcAft>
+                      </a:pPr>
+                      <a:r>
+                        <a:rPr lang="en-US" sz="1200" kern="100" dirty="0">
+                          <a:latin typeface="Calibri"/>
+                          <a:ea typeface="PMingLiU"/>
+                          <a:cs typeface="Times New Roman"/>
+                        </a:rPr>
+                        <a:t>64</a:t>
+                      </a:r>
+                    </a:p>
+                  </a:txBody>
+                  <a:tcPr marL="68580" marR="68580" marT="0" marB="0"/>
+                </a:tc>
+                <a:tc>
+                  <a:txBody>
+                    <a:bodyPr/>
+                    <a:lstStyle/>
+                    <a:p>
+                      <a:pPr marL="0" marR="0">
+                        <a:spcBef>
+                          <a:spcPts val="0"/>
+                        </a:spcBef>
+                        <a:spcAft>
+                          <a:spcPts val="0"/>
+                        </a:spcAft>
+                      </a:pPr>
+                      <a:r>
+                        <a:rPr lang="en-US" sz="1200" kern="100" dirty="0">
+                          <a:latin typeface="Calibri"/>
+                          <a:ea typeface="PMingLiU"/>
+                          <a:cs typeface="Times New Roman"/>
+                        </a:rPr>
+                        <a:t>19.41</a:t>
+                      </a:r>
+                    </a:p>
+                  </a:txBody>
+                  <a:tcPr marL="68580" marR="68580" marT="0" marB="0"/>
+                </a:tc>
+                <a:tc>
+                  <a:txBody>
+                    <a:bodyPr/>
+                    <a:lstStyle/>
+                    <a:p>
+                      <a:pPr marL="0" marR="0">
+                        <a:spcBef>
+                          <a:spcPts val="0"/>
+                        </a:spcBef>
+                        <a:spcAft>
+                          <a:spcPts val="0"/>
+                        </a:spcAft>
+                      </a:pPr>
+                      <a:r>
+                        <a:rPr lang="en-US" sz="1200" kern="100">
+                          <a:latin typeface="Calibri"/>
+                          <a:ea typeface="PMingLiU"/>
+                          <a:cs typeface="Times New Roman"/>
+                        </a:rPr>
+                        <a:t>1.49</a:t>
+                      </a:r>
+                    </a:p>
+                  </a:txBody>
+                  <a:tcPr marL="68580" marR="68580" marT="0" marB="0"/>
+                </a:tc>
+                <a:tc>
+                  <a:txBody>
+                    <a:bodyPr/>
+                    <a:lstStyle/>
+                    <a:p>
+                      <a:pPr marL="0" marR="0">
+                        <a:spcBef>
+                          <a:spcPts val="0"/>
+                        </a:spcBef>
+                        <a:spcAft>
+                          <a:spcPts val="0"/>
+                        </a:spcAft>
+                      </a:pPr>
+                      <a:r>
+                        <a:rPr lang="en-US" sz="1200" kern="100" dirty="0">
+                          <a:latin typeface="Calibri"/>
+                          <a:ea typeface="PMingLiU"/>
+                          <a:cs typeface="Times New Roman"/>
+                        </a:rPr>
+                        <a:t>0.30 </a:t>
+                      </a:r>
+                    </a:p>
+                  </a:txBody>
+                  <a:tcPr marL="68580" marR="68580" marT="0" marB="0"/>
+                </a:tc>
+              </a:tr>
+            </a:tbl>
+          </a:graphicData>
+        </a:graphic>
+      </p:graphicFrame>
+    </p:spTree>
+  </p:cSld>
+  <p:clrMapOvr>
+    <a:masterClrMapping/>
+  </p:clrMapOvr>
+</p:sld>
+</file>
+
+<file path=ppt/slides/slide19.xml><?xml version="1.0" encoding="utf-8"?>
+<p:sld xmlns:a="http://schemas.openxmlformats.org/drawingml/2006/main" xmlns:r="http://schemas.openxmlformats.org/officeDocument/2006/relationships" xmlns:p="http://schemas.openxmlformats.org/presentationml/2006/main">
+  <p:cSld>
+    <p:spTree>
+      <p:nvGrpSpPr>
+        <p:cNvPr id="1" name=""/>
+        <p:cNvGrpSpPr/>
+        <p:nvPr/>
+      </p:nvGrpSpPr>
+      <p:grpSpPr>
+        <a:xfrm>
+          <a:off x="0" y="0"/>
+          <a:ext cx="0" cy="0"/>
+          <a:chOff x="0" y="0"/>
+          <a:chExt cx="0" cy="0"/>
+        </a:xfrm>
+      </p:grpSpPr>
+      <p:sp>
+        <p:nvSpPr>
+          <p:cNvPr id="2" name="Title 1"/>
+          <p:cNvSpPr>
+            <a:spLocks noGrp="1"/>
+          </p:cNvSpPr>
+          <p:nvPr>
+            <p:ph type="title"/>
+          </p:nvPr>
+        </p:nvSpPr>
+        <p:spPr/>
+        <p:txBody>
+          <a:bodyPr/>
+          <a:lstStyle/>
+          <a:p>
+            <a:r>
+              <a:rPr lang="en-US" dirty="0" smtClean="0"/>
+              <a:t>Evaluation</a:t>
+            </a:r>
+            <a:endParaRPr lang="en-US" dirty="0"/>
+          </a:p>
+        </p:txBody>
+      </p:sp>
+      <p:sp>
+        <p:nvSpPr>
+          <p:cNvPr id="8" name="Content Placeholder 7"/>
+          <p:cNvSpPr>
+            <a:spLocks noGrp="1"/>
+          </p:cNvSpPr>
+          <p:nvPr>
+            <p:ph idx="1"/>
+          </p:nvPr>
+        </p:nvSpPr>
+        <p:spPr/>
+        <p:txBody>
+          <a:bodyPr>
+            <a:normAutofit/>
+          </a:bodyPr>
+          <a:lstStyle/>
+          <a:p>
+            <a:pPr marL="0">
+              <a:buNone/>
+            </a:pPr>
+            <a:r>
+              <a:rPr lang="en-US" sz="2400" dirty="0" smtClean="0"/>
+              <a:t>Extraction Time increases directly with Feature Size</a:t>
+            </a:r>
+          </a:p>
+          <a:p>
+            <a:pPr marL="0">
+              <a:buNone/>
+            </a:pPr>
+            <a:endParaRPr lang="en-US" sz="2400" dirty="0" smtClean="0"/>
+          </a:p>
+          <a:p>
+            <a:pPr marL="0">
+              <a:buNone/>
+            </a:pPr>
+            <a:endParaRPr lang="en-US" sz="2400" dirty="0"/>
+          </a:p>
+        </p:txBody>
+      </p:sp>
+      <p:pic>
+        <p:nvPicPr>
+          <p:cNvPr id="7" name="Content Placeholder 6" descr="extraction.PNG"/>
+          <p:cNvPicPr>
+            <a:picLocks noGrp="1" noChangeAspect="1"/>
+          </p:cNvPicPr>
+          <p:nvPr>
+            <p:ph sz="half" idx="4294967295"/>
+          </p:nvPr>
+        </p:nvPicPr>
+        <p:blipFill>
+          <a:blip r:embed="rId2"/>
+          <a:stretch>
+            <a:fillRect/>
+          </a:stretch>
+        </p:blipFill>
+        <p:spPr>
+          <a:xfrm>
+            <a:off x="1385047" y="2357430"/>
+            <a:ext cx="5728447" cy="2847983"/>
+          </a:xfrm>
+        </p:spPr>
+      </p:pic>
     </p:spTree>
   </p:cSld>
   <p:clrMapOvr>
@@ -4831,6 +6182,346 @@
           </a:p>
           <a:p>
             <a:endParaRPr lang="en-US" dirty="0"/>
+          </a:p>
+        </p:txBody>
+      </p:sp>
+    </p:spTree>
+  </p:cSld>
+  <p:clrMapOvr>
+    <a:masterClrMapping/>
+  </p:clrMapOvr>
+</p:sld>
+</file>
+
+<file path=ppt/slides/slide20.xml><?xml version="1.0" encoding="utf-8"?>
+<p:sld xmlns:a="http://schemas.openxmlformats.org/drawingml/2006/main" xmlns:r="http://schemas.openxmlformats.org/officeDocument/2006/relationships" xmlns:p="http://schemas.openxmlformats.org/presentationml/2006/main">
+  <p:cSld>
+    <p:spTree>
+      <p:nvGrpSpPr>
+        <p:cNvPr id="1" name=""/>
+        <p:cNvGrpSpPr/>
+        <p:nvPr/>
+      </p:nvGrpSpPr>
+      <p:grpSpPr>
+        <a:xfrm>
+          <a:off x="0" y="0"/>
+          <a:ext cx="0" cy="0"/>
+          <a:chOff x="0" y="0"/>
+          <a:chExt cx="0" cy="0"/>
+        </a:xfrm>
+      </p:grpSpPr>
+      <p:sp>
+        <p:nvSpPr>
+          <p:cNvPr id="2" name="Title 1"/>
+          <p:cNvSpPr>
+            <a:spLocks noGrp="1"/>
+          </p:cNvSpPr>
+          <p:nvPr>
+            <p:ph type="title"/>
+          </p:nvPr>
+        </p:nvSpPr>
+        <p:spPr/>
+        <p:txBody>
+          <a:bodyPr/>
+          <a:lstStyle/>
+          <a:p>
+            <a:r>
+              <a:rPr lang="en-US" dirty="0" smtClean="0"/>
+              <a:t>Evaluation</a:t>
+            </a:r>
+            <a:endParaRPr lang="en-US" dirty="0"/>
+          </a:p>
+        </p:txBody>
+      </p:sp>
+      <p:sp>
+        <p:nvSpPr>
+          <p:cNvPr id="7" name="Content Placeholder 6"/>
+          <p:cNvSpPr>
+            <a:spLocks noGrp="1"/>
+          </p:cNvSpPr>
+          <p:nvPr>
+            <p:ph idx="1"/>
+          </p:nvPr>
+        </p:nvSpPr>
+        <p:spPr/>
+        <p:txBody>
+          <a:bodyPr/>
+          <a:lstStyle/>
+          <a:p>
+            <a:pPr marL="0">
+              <a:buNone/>
+            </a:pPr>
+            <a:r>
+              <a:rPr lang="en-US" sz="2000" dirty="0" smtClean="0"/>
+              <a:t>FAST+BRIEF and BRISK+BRISK have both poor (slow) Evaluation Time </a:t>
+            </a:r>
+          </a:p>
+          <a:p>
+            <a:pPr marL="0">
+              <a:buNone/>
+            </a:pPr>
+            <a:r>
+              <a:rPr lang="en-US" sz="2000" dirty="0" smtClean="0"/>
+              <a:t>SURF+ROOTSIFT is quickest</a:t>
+            </a:r>
+          </a:p>
+          <a:p>
+            <a:endParaRPr lang="en-US" dirty="0" smtClean="0"/>
+          </a:p>
+          <a:p>
+            <a:endParaRPr lang="en-US" dirty="0"/>
+          </a:p>
+        </p:txBody>
+      </p:sp>
+      <p:pic>
+        <p:nvPicPr>
+          <p:cNvPr id="4100" name="Picture 4"/>
+          <p:cNvPicPr>
+            <a:picLocks noGrp="1" noChangeAspect="1" noChangeArrowheads="1"/>
+          </p:cNvPicPr>
+          <p:nvPr>
+            <p:ph sz="half" idx="4294967295"/>
+          </p:nvPr>
+        </p:nvPicPr>
+        <p:blipFill>
+          <a:blip r:embed="rId2"/>
+          <a:srcRect/>
+          <a:stretch>
+            <a:fillRect/>
+          </a:stretch>
+        </p:blipFill>
+        <p:spPr bwMode="auto">
+          <a:xfrm>
+            <a:off x="2111188" y="2786058"/>
+            <a:ext cx="4889704" cy="3157542"/>
+          </a:xfrm>
+          <a:prstGeom prst="rect">
+            <a:avLst/>
+          </a:prstGeom>
+          <a:noFill/>
+          <a:ln w="9525">
+            <a:noFill/>
+            <a:miter lim="800000"/>
+            <a:headEnd/>
+            <a:tailEnd/>
+          </a:ln>
+          <a:effectLst/>
+        </p:spPr>
+      </p:pic>
+    </p:spTree>
+  </p:cSld>
+  <p:clrMapOvr>
+    <a:masterClrMapping/>
+  </p:clrMapOvr>
+</p:sld>
+</file>
+
+<file path=ppt/slides/slide21.xml><?xml version="1.0" encoding="utf-8"?>
+<p:sld xmlns:a="http://schemas.openxmlformats.org/drawingml/2006/main" xmlns:r="http://schemas.openxmlformats.org/officeDocument/2006/relationships" xmlns:p="http://schemas.openxmlformats.org/presentationml/2006/main">
+  <p:cSld>
+    <p:spTree>
+      <p:nvGrpSpPr>
+        <p:cNvPr id="1" name=""/>
+        <p:cNvGrpSpPr/>
+        <p:nvPr/>
+      </p:nvGrpSpPr>
+      <p:grpSpPr>
+        <a:xfrm>
+          <a:off x="0" y="0"/>
+          <a:ext cx="0" cy="0"/>
+          <a:chOff x="0" y="0"/>
+          <a:chExt cx="0" cy="0"/>
+        </a:xfrm>
+      </p:grpSpPr>
+      <p:sp>
+        <p:nvSpPr>
+          <p:cNvPr id="2" name="Title 1"/>
+          <p:cNvSpPr>
+            <a:spLocks noGrp="1"/>
+          </p:cNvSpPr>
+          <p:nvPr>
+            <p:ph type="title"/>
+          </p:nvPr>
+        </p:nvSpPr>
+        <p:spPr/>
+        <p:txBody>
+          <a:bodyPr/>
+          <a:lstStyle/>
+          <a:p>
+            <a:r>
+              <a:rPr lang="en-US" dirty="0" smtClean="0"/>
+              <a:t>Evaluation</a:t>
+            </a:r>
+            <a:endParaRPr lang="en-US" dirty="0"/>
+          </a:p>
+        </p:txBody>
+      </p:sp>
+      <p:sp>
+        <p:nvSpPr>
+          <p:cNvPr id="6" name="Content Placeholder 6"/>
+          <p:cNvSpPr>
+            <a:spLocks noGrp="1"/>
+          </p:cNvSpPr>
+          <p:nvPr>
+            <p:ph idx="1"/>
+          </p:nvPr>
+        </p:nvSpPr>
+        <p:spPr/>
+        <p:txBody>
+          <a:bodyPr/>
+          <a:lstStyle/>
+          <a:p>
+            <a:pPr marL="0">
+              <a:buNone/>
+            </a:pPr>
+            <a:r>
+              <a:rPr lang="en-US" sz="2000" dirty="0" smtClean="0"/>
+              <a:t>FAST+BRIEF and BRISK+BRISK also have both poor (low) Evaluation Precision </a:t>
+            </a:r>
+          </a:p>
+          <a:p>
+            <a:pPr marL="0">
+              <a:buNone/>
+            </a:pPr>
+            <a:r>
+              <a:rPr lang="en-US" sz="2000" dirty="0" smtClean="0"/>
+              <a:t>SURF+ROOTSIFT is again best </a:t>
+            </a:r>
+          </a:p>
+          <a:p>
+            <a:endParaRPr lang="en-US" dirty="0" smtClean="0"/>
+          </a:p>
+          <a:p>
+            <a:endParaRPr lang="en-US" dirty="0"/>
+          </a:p>
+        </p:txBody>
+      </p:sp>
+      <p:pic>
+        <p:nvPicPr>
+          <p:cNvPr id="5122" name="Picture 2"/>
+          <p:cNvPicPr>
+            <a:picLocks noGrp="1" noChangeAspect="1" noChangeArrowheads="1"/>
+          </p:cNvPicPr>
+          <p:nvPr>
+            <p:ph sz="half" idx="4294967295"/>
+          </p:nvPr>
+        </p:nvPicPr>
+        <p:blipFill>
+          <a:blip r:embed="rId2"/>
+          <a:srcRect/>
+          <a:stretch>
+            <a:fillRect/>
+          </a:stretch>
+        </p:blipFill>
+        <p:spPr bwMode="auto">
+          <a:xfrm>
+            <a:off x="1285852" y="3071810"/>
+            <a:ext cx="6143668" cy="3000396"/>
+          </a:xfrm>
+          <a:prstGeom prst="rect">
+            <a:avLst/>
+          </a:prstGeom>
+          <a:noFill/>
+          <a:ln w="9525">
+            <a:noFill/>
+            <a:miter lim="800000"/>
+            <a:headEnd/>
+            <a:tailEnd/>
+          </a:ln>
+          <a:effectLst/>
+        </p:spPr>
+      </p:pic>
+    </p:spTree>
+  </p:cSld>
+  <p:clrMapOvr>
+    <a:masterClrMapping/>
+  </p:clrMapOvr>
+</p:sld>
+</file>
+
+<file path=ppt/slides/slide22.xml><?xml version="1.0" encoding="utf-8"?>
+<p:sld xmlns:a="http://schemas.openxmlformats.org/drawingml/2006/main" xmlns:r="http://schemas.openxmlformats.org/officeDocument/2006/relationships" xmlns:p="http://schemas.openxmlformats.org/presentationml/2006/main">
+  <p:cSld>
+    <p:spTree>
+      <p:nvGrpSpPr>
+        <p:cNvPr id="1" name=""/>
+        <p:cNvGrpSpPr/>
+        <p:nvPr/>
+      </p:nvGrpSpPr>
+      <p:grpSpPr>
+        <a:xfrm>
+          <a:off x="0" y="0"/>
+          <a:ext cx="0" cy="0"/>
+          <a:chOff x="0" y="0"/>
+          <a:chExt cx="0" cy="0"/>
+        </a:xfrm>
+      </p:grpSpPr>
+      <p:sp>
+        <p:nvSpPr>
+          <p:cNvPr id="2" name="Title 1"/>
+          <p:cNvSpPr>
+            <a:spLocks noGrp="1"/>
+          </p:cNvSpPr>
+          <p:nvPr>
+            <p:ph type="title"/>
+          </p:nvPr>
+        </p:nvSpPr>
+        <p:spPr/>
+        <p:txBody>
+          <a:bodyPr/>
+          <a:lstStyle/>
+          <a:p>
+            <a:r>
+              <a:rPr lang="en-US" dirty="0" smtClean="0"/>
+              <a:t>Evaluation</a:t>
+            </a:r>
+            <a:endParaRPr lang="en-US" dirty="0"/>
+          </a:p>
+        </p:txBody>
+      </p:sp>
+      <p:sp>
+        <p:nvSpPr>
+          <p:cNvPr id="3" name="Content Placeholder 2"/>
+          <p:cNvSpPr>
+            <a:spLocks noGrp="1"/>
+          </p:cNvSpPr>
+          <p:nvPr>
+            <p:ph idx="1"/>
+          </p:nvPr>
+        </p:nvSpPr>
+        <p:spPr/>
+        <p:txBody>
+          <a:bodyPr>
+            <a:normAutofit/>
+          </a:bodyPr>
+          <a:lstStyle/>
+          <a:p>
+            <a:pPr>
+              <a:buNone/>
+            </a:pPr>
+            <a:r>
+              <a:rPr lang="en-US" sz="2400" dirty="0" smtClean="0"/>
+              <a:t>Summary</a:t>
+            </a:r>
+          </a:p>
+          <a:p>
+            <a:r>
+              <a:rPr lang="en-US" sz="2400" dirty="0" smtClean="0"/>
+              <a:t>FAST+BRIEF and BRISK+BRISK have slow evaluation time and low evaluation precision</a:t>
+            </a:r>
+          </a:p>
+          <a:p>
+            <a:r>
+              <a:rPr lang="en-US" sz="2400" dirty="0" smtClean="0"/>
+              <a:t>SURF+ROOTSIFT has the fastest Evaluation Time and highest Precision but comes with a high Extracting Time  </a:t>
+            </a:r>
+          </a:p>
+          <a:p>
+            <a:r>
+              <a:rPr lang="en-US" sz="2400" dirty="0" smtClean="0"/>
+              <a:t>ORB+ORB offers the best combination of a fast Extracting Time but still with good Precision and Evaluation Time</a:t>
+            </a:r>
+            <a:endParaRPr lang="en-US" sz="2400" dirty="0"/>
           </a:p>
         </p:txBody>
       </p:sp>

--- a/JRxD.pptx
+++ b/JRxD.pptx
@@ -22,11 +22,12 @@
     <p:sldId id="268" r:id="rId16"/>
     <p:sldId id="269" r:id="rId17"/>
     <p:sldId id="270" r:id="rId18"/>
-    <p:sldId id="274" r:id="rId19"/>
-    <p:sldId id="279" r:id="rId20"/>
-    <p:sldId id="278" r:id="rId21"/>
-    <p:sldId id="280" r:id="rId22"/>
-    <p:sldId id="281" r:id="rId23"/>
+    <p:sldId id="282" r:id="rId19"/>
+    <p:sldId id="274" r:id="rId20"/>
+    <p:sldId id="279" r:id="rId21"/>
+    <p:sldId id="278" r:id="rId22"/>
+    <p:sldId id="280" r:id="rId23"/>
+    <p:sldId id="281" r:id="rId24"/>
   </p:sldIdLst>
   <p:sldSz cx="9144000" cy="6858000" type="screen4x3"/>
   <p:notesSz cx="6858000" cy="9144000"/>
@@ -310,7 +311,7 @@
             <a:fld id="{97E25779-4C65-4F29-9876-A93A7347158C}" type="datetimeFigureOut">
               <a:rPr lang="en-US" smtClean="0"/>
               <a:pPr/>
-              <a:t>4/7/2020</a:t>
+              <a:t>4/8/2020</a:t>
             </a:fld>
             <a:endParaRPr lang="en-US"/>
           </a:p>
@@ -477,7 +478,7 @@
             <a:fld id="{97E25779-4C65-4F29-9876-A93A7347158C}" type="datetimeFigureOut">
               <a:rPr lang="en-US" smtClean="0"/>
               <a:pPr/>
-              <a:t>4/7/2020</a:t>
+              <a:t>4/8/2020</a:t>
             </a:fld>
             <a:endParaRPr lang="en-US"/>
           </a:p>
@@ -654,7 +655,7 @@
             <a:fld id="{97E25779-4C65-4F29-9876-A93A7347158C}" type="datetimeFigureOut">
               <a:rPr lang="en-US" smtClean="0"/>
               <a:pPr/>
-              <a:t>4/7/2020</a:t>
+              <a:t>4/8/2020</a:t>
             </a:fld>
             <a:endParaRPr lang="en-US"/>
           </a:p>
@@ -821,7 +822,7 @@
             <a:fld id="{97E25779-4C65-4F29-9876-A93A7347158C}" type="datetimeFigureOut">
               <a:rPr lang="en-US" smtClean="0"/>
               <a:pPr/>
-              <a:t>4/7/2020</a:t>
+              <a:t>4/8/2020</a:t>
             </a:fld>
             <a:endParaRPr lang="en-US"/>
           </a:p>
@@ -1064,7 +1065,7 @@
             <a:fld id="{97E25779-4C65-4F29-9876-A93A7347158C}" type="datetimeFigureOut">
               <a:rPr lang="en-US" smtClean="0"/>
               <a:pPr/>
-              <a:t>4/7/2020</a:t>
+              <a:t>4/8/2020</a:t>
             </a:fld>
             <a:endParaRPr lang="en-US"/>
           </a:p>
@@ -1349,7 +1350,7 @@
             <a:fld id="{97E25779-4C65-4F29-9876-A93A7347158C}" type="datetimeFigureOut">
               <a:rPr lang="en-US" smtClean="0"/>
               <a:pPr/>
-              <a:t>4/7/2020</a:t>
+              <a:t>4/8/2020</a:t>
             </a:fld>
             <a:endParaRPr lang="en-US"/>
           </a:p>
@@ -1768,7 +1769,7 @@
             <a:fld id="{97E25779-4C65-4F29-9876-A93A7347158C}" type="datetimeFigureOut">
               <a:rPr lang="en-US" smtClean="0"/>
               <a:pPr/>
-              <a:t>4/7/2020</a:t>
+              <a:t>4/8/2020</a:t>
             </a:fld>
             <a:endParaRPr lang="en-US"/>
           </a:p>
@@ -1883,7 +1884,7 @@
             <a:fld id="{97E25779-4C65-4F29-9876-A93A7347158C}" type="datetimeFigureOut">
               <a:rPr lang="en-US" smtClean="0"/>
               <a:pPr/>
-              <a:t>4/7/2020</a:t>
+              <a:t>4/8/2020</a:t>
             </a:fld>
             <a:endParaRPr lang="en-US"/>
           </a:p>
@@ -1975,7 +1976,7 @@
             <a:fld id="{97E25779-4C65-4F29-9876-A93A7347158C}" type="datetimeFigureOut">
               <a:rPr lang="en-US" smtClean="0"/>
               <a:pPr/>
-              <a:t>4/7/2020</a:t>
+              <a:t>4/8/2020</a:t>
             </a:fld>
             <a:endParaRPr lang="en-US"/>
           </a:p>
@@ -2249,7 +2250,7 @@
             <a:fld id="{97E25779-4C65-4F29-9876-A93A7347158C}" type="datetimeFigureOut">
               <a:rPr lang="en-US" smtClean="0"/>
               <a:pPr/>
-              <a:t>4/7/2020</a:t>
+              <a:t>4/8/2020</a:t>
             </a:fld>
             <a:endParaRPr lang="en-US"/>
           </a:p>
@@ -2499,7 +2500,7 @@
             <a:fld id="{97E25779-4C65-4F29-9876-A93A7347158C}" type="datetimeFigureOut">
               <a:rPr lang="en-US" smtClean="0"/>
               <a:pPr/>
-              <a:t>4/7/2020</a:t>
+              <a:t>4/8/2020</a:t>
             </a:fld>
             <a:endParaRPr lang="en-US"/>
           </a:p>
@@ -2709,7 +2710,7 @@
             <a:fld id="{97E25779-4C65-4F29-9876-A93A7347158C}" type="datetimeFigureOut">
               <a:rPr lang="en-US" smtClean="0"/>
               <a:pPr/>
-              <a:t>4/7/2020</a:t>
+              <a:t>4/8/2020</a:t>
             </a:fld>
             <a:endParaRPr lang="en-US"/>
           </a:p>
@@ -3638,26 +3639,14 @@
             </a:pPr>
             <a:r>
               <a:rPr lang="en-US" sz="3100" dirty="0" smtClean="0"/>
-              <a:t>We’ll also need to specify several arguments to extract BOVW histogram representations from each image and store </a:t>
-            </a:r>
+              <a:t>We’ll also need to specify several arguments to extract BOVW histogram representations from each image and store in to the HDF5 dataset.</a:t>
+            </a:r>
+          </a:p>
+          <a:p>
+            <a:pPr lvl="0"/>
             <a:r>
               <a:rPr lang="en-US" sz="3100" dirty="0" smtClean="0"/>
-              <a:t>in to the </a:t>
-            </a:r>
-            <a:r>
-              <a:rPr lang="en-US" sz="3100" dirty="0" smtClean="0"/>
-              <a:t>HDF5 dataset.</a:t>
-            </a:r>
-          </a:p>
-          <a:p>
-            <a:pPr lvl="0"/>
-            <a:r>
-              <a:rPr lang="en-US" sz="3100" dirty="0" smtClean="0"/>
-              <a:t>‘-f’: The path to the HDF5 dataset </a:t>
-            </a:r>
-            <a:r>
-              <a:rPr lang="en-US" sz="3100" dirty="0" smtClean="0"/>
-              <a:t>containing the extracted </a:t>
+              <a:t>‘-f’: The path to the HDF5 dataset containing the extracted </a:t>
             </a:r>
             <a:r>
               <a:rPr lang="en-US" sz="3100" dirty="0" err="1" smtClean="0"/>
@@ -3665,11 +3654,7 @@
             </a:r>
             <a:r>
               <a:rPr lang="en-US" sz="3100" dirty="0" smtClean="0"/>
-              <a:t> </a:t>
-            </a:r>
-            <a:r>
-              <a:rPr lang="en-US" sz="3100" dirty="0" smtClean="0"/>
-              <a:t>and local invariant descriptors</a:t>
+              <a:t> and local invariant descriptors</a:t>
             </a:r>
           </a:p>
           <a:p>
@@ -3683,15 +3668,7 @@
             <a:pPr lvl="0"/>
             <a:r>
               <a:rPr lang="en-US" sz="3100" dirty="0" smtClean="0"/>
-              <a:t>‘-b’: The path </a:t>
-            </a:r>
-            <a:r>
-              <a:rPr lang="en-US" sz="3100" dirty="0" smtClean="0"/>
-              <a:t>of the </a:t>
-            </a:r>
-            <a:r>
-              <a:rPr lang="en-US" sz="3100" dirty="0" smtClean="0"/>
-              <a:t>HDF5 database storing the BOVW representations.</a:t>
+              <a:t>‘-b’: The path of the HDF5 database storing the BOVW representations.</a:t>
             </a:r>
           </a:p>
           <a:p>
@@ -4743,6 +4720,128 @@
 </file>
 
 <file path=ppt/slides/slide18.xml><?xml version="1.0" encoding="utf-8"?>
+<p:sld xmlns:a="http://schemas.openxmlformats.org/drawingml/2006/main" xmlns:r="http://schemas.openxmlformats.org/officeDocument/2006/relationships" xmlns:p="http://schemas.openxmlformats.org/presentationml/2006/main">
+  <p:cSld>
+    <p:spTree>
+      <p:nvGrpSpPr>
+        <p:cNvPr id="1" name=""/>
+        <p:cNvGrpSpPr/>
+        <p:nvPr/>
+      </p:nvGrpSpPr>
+      <p:grpSpPr>
+        <a:xfrm>
+          <a:off x="0" y="0"/>
+          <a:ext cx="0" cy="0"/>
+          <a:chOff x="0" y="0"/>
+          <a:chExt cx="0" cy="0"/>
+        </a:xfrm>
+      </p:grpSpPr>
+      <p:sp>
+        <p:nvSpPr>
+          <p:cNvPr id="2" name="Title 1"/>
+          <p:cNvSpPr>
+            <a:spLocks noGrp="1"/>
+          </p:cNvSpPr>
+          <p:nvPr>
+            <p:ph type="title"/>
+          </p:nvPr>
+        </p:nvSpPr>
+        <p:spPr/>
+        <p:txBody>
+          <a:bodyPr/>
+          <a:lstStyle/>
+          <a:p>
+            <a:r>
+              <a:rPr lang="en-US" dirty="0" smtClean="0"/>
+              <a:t>Evaluation</a:t>
+            </a:r>
+            <a:endParaRPr lang="en-US" dirty="0"/>
+          </a:p>
+        </p:txBody>
+      </p:sp>
+      <p:sp>
+        <p:nvSpPr>
+          <p:cNvPr id="3" name="Content Placeholder 2"/>
+          <p:cNvSpPr>
+            <a:spLocks noGrp="1"/>
+          </p:cNvSpPr>
+          <p:nvPr>
+            <p:ph idx="1"/>
+          </p:nvPr>
+        </p:nvSpPr>
+        <p:spPr/>
+        <p:txBody>
+          <a:bodyPr/>
+          <a:lstStyle/>
+          <a:p>
+            <a:pPr>
+              <a:buNone/>
+            </a:pPr>
+            <a:r>
+              <a:rPr lang="en-US" sz="2400" dirty="0" smtClean="0"/>
+              <a:t>Metric</a:t>
+            </a:r>
+          </a:p>
+          <a:p>
+            <a:pPr marL="0">
+              <a:buNone/>
+            </a:pPr>
+            <a:r>
+              <a:rPr lang="en-US" sz="2400" dirty="0" smtClean="0"/>
+              <a:t>1 point for each relevant image in the top 4 results, so for example only one relevant image in the top 4 results gives 1 point whereas 4 relevant images in the top 4 results gives 4 points.</a:t>
+            </a:r>
+          </a:p>
+          <a:p>
+            <a:pPr>
+              <a:buNone/>
+            </a:pPr>
+            <a:endParaRPr lang="en-US" sz="2400" dirty="0" smtClean="0"/>
+          </a:p>
+          <a:p>
+            <a:pPr marL="0">
+              <a:buNone/>
+            </a:pPr>
+            <a:r>
+              <a:rPr lang="en-US" sz="2400" dirty="0" smtClean="0"/>
+              <a:t>This is the same scoring system as used by </a:t>
+            </a:r>
+            <a:r>
+              <a:rPr lang="en-US" sz="2400" dirty="0" err="1" smtClean="0"/>
+              <a:t>Nistér</a:t>
+            </a:r>
+            <a:r>
+              <a:rPr lang="en-US" sz="2400" dirty="0" smtClean="0"/>
+              <a:t> and </a:t>
+            </a:r>
+            <a:r>
+              <a:rPr lang="en-US" sz="2400" dirty="0" err="1" smtClean="0"/>
+              <a:t>Stewénius</a:t>
+            </a:r>
+            <a:r>
+              <a:rPr lang="en-US" sz="2400" dirty="0" smtClean="0"/>
+              <a:t> (the creators of the </a:t>
+            </a:r>
+            <a:r>
+              <a:rPr lang="en-US" sz="2400" dirty="0" err="1" smtClean="0"/>
+              <a:t>UKBench</a:t>
+            </a:r>
+            <a:r>
+              <a:rPr lang="en-US" sz="2400" dirty="0" smtClean="0"/>
+              <a:t> dataset) in their 2006 paper ‘Scalable Recognition with a Vocabulary Tree’.</a:t>
+            </a:r>
+            <a:endParaRPr lang="en-US" sz="2400" dirty="0"/>
+          </a:p>
+        </p:txBody>
+      </p:sp>
+    </p:spTree>
+  </p:cSld>
+  <p:clrMapOvr>
+    <a:masterClrMapping/>
+  </p:clrMapOvr>
+</p:sld>
+</file>
+
+<file path=ppt/slides/slide19.xml><?xml version="1.0" encoding="utf-8"?>
 <p:sld xmlns:a="http://schemas.openxmlformats.org/drawingml/2006/main" xmlns:r="http://schemas.openxmlformats.org/officeDocument/2006/relationships" xmlns:p="http://schemas.openxmlformats.org/presentationml/2006/main">
   <p:cSld>
     <p:spTree>
@@ -5958,7 +6057,132 @@
 </p:sld>
 </file>
 
-<file path=ppt/slides/slide19.xml><?xml version="1.0" encoding="utf-8"?>
+<file path=ppt/slides/slide2.xml><?xml version="1.0" encoding="utf-8"?>
+<p:sld xmlns:a="http://schemas.openxmlformats.org/drawingml/2006/main" xmlns:r="http://schemas.openxmlformats.org/officeDocument/2006/relationships" xmlns:p="http://schemas.openxmlformats.org/presentationml/2006/main">
+  <p:cSld>
+    <p:spTree>
+      <p:nvGrpSpPr>
+        <p:cNvPr id="1" name=""/>
+        <p:cNvGrpSpPr/>
+        <p:nvPr/>
+      </p:nvGrpSpPr>
+      <p:grpSpPr>
+        <a:xfrm>
+          <a:off x="0" y="0"/>
+          <a:ext cx="0" cy="0"/>
+          <a:chOff x="0" y="0"/>
+          <a:chExt cx="0" cy="0"/>
+        </a:xfrm>
+      </p:grpSpPr>
+      <p:sp>
+        <p:nvSpPr>
+          <p:cNvPr id="2" name="Title 1"/>
+          <p:cNvSpPr>
+            <a:spLocks noGrp="1"/>
+          </p:cNvSpPr>
+          <p:nvPr>
+            <p:ph type="title"/>
+          </p:nvPr>
+        </p:nvSpPr>
+        <p:spPr/>
+        <p:txBody>
+          <a:bodyPr/>
+          <a:lstStyle/>
+          <a:p>
+            <a:pPr lvl="0"/>
+            <a:r>
+              <a:rPr lang="en-US" b="1" dirty="0" smtClean="0"/>
+              <a:t>Introduction</a:t>
+            </a:r>
+            <a:endParaRPr lang="en-US" dirty="0"/>
+          </a:p>
+        </p:txBody>
+      </p:sp>
+      <p:sp>
+        <p:nvSpPr>
+          <p:cNvPr id="3" name="Content Placeholder 2"/>
+          <p:cNvSpPr>
+            <a:spLocks noGrp="1"/>
+          </p:cNvSpPr>
+          <p:nvPr>
+            <p:ph idx="1"/>
+          </p:nvPr>
+        </p:nvSpPr>
+        <p:spPr/>
+        <p:txBody>
+          <a:bodyPr>
+            <a:normAutofit fontScale="92500" lnSpcReduction="10000"/>
+          </a:bodyPr>
+          <a:lstStyle/>
+          <a:p>
+            <a:pPr>
+              <a:buNone/>
+            </a:pPr>
+            <a:r>
+              <a:rPr lang="en-US" dirty="0" smtClean="0"/>
+              <a:t>	</a:t>
+            </a:r>
+            <a:r>
+              <a:rPr lang="en-US" dirty="0" err="1" smtClean="0"/>
+              <a:t>JRxD</a:t>
+            </a:r>
+            <a:r>
+              <a:rPr lang="en-US" dirty="0" smtClean="0"/>
+              <a:t> </a:t>
+            </a:r>
+            <a:r>
+              <a:rPr lang="en-US" dirty="0"/>
+              <a:t>is a project based on python </a:t>
+            </a:r>
+            <a:r>
+              <a:rPr lang="en-US" dirty="0" smtClean="0"/>
+              <a:t>language development</a:t>
+            </a:r>
+            <a:r>
+              <a:rPr lang="en-US" dirty="0"/>
+              <a:t>. It is a search engine by example image search, used to find and retrieve all images that contain the content users submitted</a:t>
+            </a:r>
+            <a:r>
+              <a:rPr lang="en-US" dirty="0" smtClean="0"/>
+              <a:t>, and furthermore</a:t>
+            </a:r>
+            <a:r>
+              <a:rPr lang="en-US" dirty="0"/>
+              <a:t>, it also places the most relevant images at the top of the search results list. The project is based on UK Bench and Paris dataset and under maintenance. </a:t>
+            </a:r>
+            <a:r>
+              <a:rPr lang="en-US" dirty="0" smtClean="0"/>
+              <a:t>The currently </a:t>
+            </a:r>
+            <a:r>
+              <a:rPr lang="en-US" dirty="0"/>
+              <a:t>available version is v1.0.0.</a:t>
+            </a:r>
+          </a:p>
+          <a:p>
+            <a:pPr>
+              <a:buNone/>
+            </a:pPr>
+            <a:r>
+              <a:rPr lang="en-US" b="1" dirty="0"/>
+              <a:t> </a:t>
+            </a:r>
+            <a:endParaRPr lang="en-US" dirty="0"/>
+          </a:p>
+          <a:p>
+            <a:endParaRPr lang="en-US" dirty="0"/>
+          </a:p>
+        </p:txBody>
+      </p:sp>
+    </p:spTree>
+  </p:cSld>
+  <p:clrMapOvr>
+    <a:masterClrMapping/>
+  </p:clrMapOvr>
+</p:sld>
+</file>
+
+<file path=ppt/slides/slide20.xml><?xml version="1.0" encoding="utf-8"?>
 <p:sld xmlns:a="http://schemas.openxmlformats.org/drawingml/2006/main" xmlns:r="http://schemas.openxmlformats.org/officeDocument/2006/relationships" xmlns:p="http://schemas.openxmlformats.org/presentationml/2006/main">
   <p:cSld>
     <p:spTree>
@@ -6068,132 +6292,7 @@
 </p:sld>
 </file>
 
-<file path=ppt/slides/slide2.xml><?xml version="1.0" encoding="utf-8"?>
-<p:sld xmlns:a="http://schemas.openxmlformats.org/drawingml/2006/main" xmlns:r="http://schemas.openxmlformats.org/officeDocument/2006/relationships" xmlns:p="http://schemas.openxmlformats.org/presentationml/2006/main">
-  <p:cSld>
-    <p:spTree>
-      <p:nvGrpSpPr>
-        <p:cNvPr id="1" name=""/>
-        <p:cNvGrpSpPr/>
-        <p:nvPr/>
-      </p:nvGrpSpPr>
-      <p:grpSpPr>
-        <a:xfrm>
-          <a:off x="0" y="0"/>
-          <a:ext cx="0" cy="0"/>
-          <a:chOff x="0" y="0"/>
-          <a:chExt cx="0" cy="0"/>
-        </a:xfrm>
-      </p:grpSpPr>
-      <p:sp>
-        <p:nvSpPr>
-          <p:cNvPr id="2" name="Title 1"/>
-          <p:cNvSpPr>
-            <a:spLocks noGrp="1"/>
-          </p:cNvSpPr>
-          <p:nvPr>
-            <p:ph type="title"/>
-          </p:nvPr>
-        </p:nvSpPr>
-        <p:spPr/>
-        <p:txBody>
-          <a:bodyPr/>
-          <a:lstStyle/>
-          <a:p>
-            <a:pPr lvl="0"/>
-            <a:r>
-              <a:rPr lang="en-US" b="1" dirty="0" smtClean="0"/>
-              <a:t>Introduction</a:t>
-            </a:r>
-            <a:endParaRPr lang="en-US" dirty="0"/>
-          </a:p>
-        </p:txBody>
-      </p:sp>
-      <p:sp>
-        <p:nvSpPr>
-          <p:cNvPr id="3" name="Content Placeholder 2"/>
-          <p:cNvSpPr>
-            <a:spLocks noGrp="1"/>
-          </p:cNvSpPr>
-          <p:nvPr>
-            <p:ph idx="1"/>
-          </p:nvPr>
-        </p:nvSpPr>
-        <p:spPr/>
-        <p:txBody>
-          <a:bodyPr>
-            <a:normAutofit fontScale="92500" lnSpcReduction="10000"/>
-          </a:bodyPr>
-          <a:lstStyle/>
-          <a:p>
-            <a:pPr>
-              <a:buNone/>
-            </a:pPr>
-            <a:r>
-              <a:rPr lang="en-US" dirty="0" smtClean="0"/>
-              <a:t>	</a:t>
-            </a:r>
-            <a:r>
-              <a:rPr lang="en-US" dirty="0" err="1" smtClean="0"/>
-              <a:t>JRxD</a:t>
-            </a:r>
-            <a:r>
-              <a:rPr lang="en-US" dirty="0" smtClean="0"/>
-              <a:t> </a:t>
-            </a:r>
-            <a:r>
-              <a:rPr lang="en-US" dirty="0"/>
-              <a:t>is a project based on python </a:t>
-            </a:r>
-            <a:r>
-              <a:rPr lang="en-US" dirty="0" smtClean="0"/>
-              <a:t>language development</a:t>
-            </a:r>
-            <a:r>
-              <a:rPr lang="en-US" dirty="0"/>
-              <a:t>. It is a search engine by example image search, used to find and retrieve all images that contain the content users submitted</a:t>
-            </a:r>
-            <a:r>
-              <a:rPr lang="en-US" dirty="0" smtClean="0"/>
-              <a:t>, and furthermore</a:t>
-            </a:r>
-            <a:r>
-              <a:rPr lang="en-US" dirty="0"/>
-              <a:t>, it also places the most relevant images at the top of the search results list. The project is based on UK Bench and Paris dataset and under maintenance. </a:t>
-            </a:r>
-            <a:r>
-              <a:rPr lang="en-US" dirty="0" smtClean="0"/>
-              <a:t>The currently </a:t>
-            </a:r>
-            <a:r>
-              <a:rPr lang="en-US" dirty="0"/>
-              <a:t>available version is v1.0.0.</a:t>
-            </a:r>
-          </a:p>
-          <a:p>
-            <a:pPr>
-              <a:buNone/>
-            </a:pPr>
-            <a:r>
-              <a:rPr lang="en-US" b="1" dirty="0"/>
-              <a:t> </a:t>
-            </a:r>
-            <a:endParaRPr lang="en-US" dirty="0"/>
-          </a:p>
-          <a:p>
-            <a:endParaRPr lang="en-US" dirty="0"/>
-          </a:p>
-        </p:txBody>
-      </p:sp>
-    </p:spTree>
-  </p:cSld>
-  <p:clrMapOvr>
-    <a:masterClrMapping/>
-  </p:clrMapOvr>
-</p:sld>
-</file>
-
-<file path=ppt/slides/slide20.xml><?xml version="1.0" encoding="utf-8"?>
+<file path=ppt/slides/slide21.xml><?xml version="1.0" encoding="utf-8"?>
 <p:sld xmlns:a="http://schemas.openxmlformats.org/drawingml/2006/main" xmlns:r="http://schemas.openxmlformats.org/officeDocument/2006/relationships" xmlns:p="http://schemas.openxmlformats.org/presentationml/2006/main">
   <p:cSld>
     <p:spTree>
@@ -6316,7 +6415,7 @@
 </p:sld>
 </file>
 
-<file path=ppt/slides/slide21.xml><?xml version="1.0" encoding="utf-8"?>
+<file path=ppt/slides/slide22.xml><?xml version="1.0" encoding="utf-8"?>
 <p:sld xmlns:a="http://schemas.openxmlformats.org/drawingml/2006/main" xmlns:r="http://schemas.openxmlformats.org/officeDocument/2006/relationships" xmlns:p="http://schemas.openxmlformats.org/presentationml/2006/main">
   <p:cSld>
     <p:spTree>
@@ -6439,7 +6538,7 @@
 </p:sld>
 </file>
 
-<file path=ppt/slides/slide22.xml><?xml version="1.0" encoding="utf-8"?>
+<file path=ppt/slides/slide23.xml><?xml version="1.0" encoding="utf-8"?>
 <p:sld xmlns:a="http://schemas.openxmlformats.org/drawingml/2006/main" xmlns:r="http://schemas.openxmlformats.org/officeDocument/2006/relationships" xmlns:p="http://schemas.openxmlformats.org/presentationml/2006/main">
   <p:cSld>
     <p:spTree>
